--- a/Group_F_Minneapolis Police Stops Presentation.pptx
+++ b/Group_F_Minneapolis Police Stops Presentation.pptx
@@ -371,7 +371,7 @@
             <a:fld id="{B61BEF0D-F0BB-DE4B-95CE-6DB70DBA9567}" type="datetimeFigureOut">
               <a:rPr lang="en-US" smtClean="0"/>
               <a:pPr/>
-              <a:t>11/4/2018</a:t>
+              <a:t>11/6/18</a:t>
             </a:fld>
             <a:endParaRPr lang="en-US" dirty="0"/>
           </a:p>
@@ -571,7 +571,7 @@
             <a:fld id="{B61BEF0D-F0BB-DE4B-95CE-6DB70DBA9567}" type="datetimeFigureOut">
               <a:rPr lang="en-US" smtClean="0"/>
               <a:pPr/>
-              <a:t>11/4/2018</a:t>
+              <a:t>11/6/18</a:t>
             </a:fld>
             <a:endParaRPr lang="en-US" dirty="0"/>
           </a:p>
@@ -781,7 +781,7 @@
             <a:fld id="{B61BEF0D-F0BB-DE4B-95CE-6DB70DBA9567}" type="datetimeFigureOut">
               <a:rPr lang="en-US" smtClean="0"/>
               <a:pPr/>
-              <a:t>11/4/2018</a:t>
+              <a:t>11/6/18</a:t>
             </a:fld>
             <a:endParaRPr lang="en-US" dirty="0"/>
           </a:p>
@@ -981,7 +981,7 @@
             <a:fld id="{B61BEF0D-F0BB-DE4B-95CE-6DB70DBA9567}" type="datetimeFigureOut">
               <a:rPr lang="en-US" smtClean="0"/>
               <a:pPr/>
-              <a:t>11/4/2018</a:t>
+              <a:t>11/6/18</a:t>
             </a:fld>
             <a:endParaRPr lang="en-US" dirty="0"/>
           </a:p>
@@ -1258,7 +1258,7 @@
             <a:fld id="{B61BEF0D-F0BB-DE4B-95CE-6DB70DBA9567}" type="datetimeFigureOut">
               <a:rPr lang="en-US" smtClean="0"/>
               <a:pPr/>
-              <a:t>11/4/2018</a:t>
+              <a:t>11/6/18</a:t>
             </a:fld>
             <a:endParaRPr lang="en-US" dirty="0"/>
           </a:p>
@@ -1525,7 +1525,7 @@
             <a:fld id="{B61BEF0D-F0BB-DE4B-95CE-6DB70DBA9567}" type="datetimeFigureOut">
               <a:rPr lang="en-US" smtClean="0"/>
               <a:pPr/>
-              <a:t>11/4/2018</a:t>
+              <a:t>11/6/18</a:t>
             </a:fld>
             <a:endParaRPr lang="en-US" dirty="0"/>
           </a:p>
@@ -1939,7 +1939,7 @@
             <a:fld id="{B61BEF0D-F0BB-DE4B-95CE-6DB70DBA9567}" type="datetimeFigureOut">
               <a:rPr lang="en-US" smtClean="0"/>
               <a:pPr/>
-              <a:t>11/4/2018</a:t>
+              <a:t>11/6/18</a:t>
             </a:fld>
             <a:endParaRPr lang="en-US" dirty="0"/>
           </a:p>
@@ -2082,7 +2082,7 @@
             <a:fld id="{B61BEF0D-F0BB-DE4B-95CE-6DB70DBA9567}" type="datetimeFigureOut">
               <a:rPr lang="en-US" smtClean="0"/>
               <a:pPr/>
-              <a:t>11/4/2018</a:t>
+              <a:t>11/6/18</a:t>
             </a:fld>
             <a:endParaRPr lang="en-US" dirty="0"/>
           </a:p>
@@ -2197,7 +2197,7 @@
             <a:fld id="{B61BEF0D-F0BB-DE4B-95CE-6DB70DBA9567}" type="datetimeFigureOut">
               <a:rPr lang="en-US" smtClean="0"/>
               <a:pPr/>
-              <a:t>11/4/2018</a:t>
+              <a:t>11/6/18</a:t>
             </a:fld>
             <a:endParaRPr lang="en-US" dirty="0"/>
           </a:p>
@@ -2510,7 +2510,7 @@
             <a:fld id="{B61BEF0D-F0BB-DE4B-95CE-6DB70DBA9567}" type="datetimeFigureOut">
               <a:rPr lang="en-US" smtClean="0"/>
               <a:pPr/>
-              <a:t>11/4/2018</a:t>
+              <a:t>11/6/18</a:t>
             </a:fld>
             <a:endParaRPr lang="en-US" dirty="0"/>
           </a:p>
@@ -2800,7 +2800,7 @@
             <a:fld id="{B61BEF0D-F0BB-DE4B-95CE-6DB70DBA9567}" type="datetimeFigureOut">
               <a:rPr lang="en-US" smtClean="0"/>
               <a:pPr/>
-              <a:t>11/4/2018</a:t>
+              <a:t>11/6/18</a:t>
             </a:fld>
             <a:endParaRPr lang="en-US" dirty="0"/>
           </a:p>
@@ -3043,7 +3043,7 @@
             <a:fld id="{B61BEF0D-F0BB-DE4B-95CE-6DB70DBA9567}" type="datetimeFigureOut">
               <a:rPr lang="en-US" smtClean="0"/>
               <a:pPr/>
-              <a:t>11/4/2018</a:t>
+              <a:t>11/6/18</a:t>
             </a:fld>
             <a:endParaRPr lang="en-US" dirty="0"/>
           </a:p>
@@ -3606,20 +3606,21 @@
           <a:p>
             <a:r>
               <a:rPr lang="en-US" dirty="0"/>
-              <a:t>Define the core message or hypothesis of your project</a:t>
+              <a:t>Our project was to understand whether or not diversity indicators (such as race, gender) correlate to police stops in Minneapolis. </a:t>
             </a:r>
           </a:p>
           <a:p>
             <a:r>
               <a:rPr lang="en-US" dirty="0"/>
-              <a:t>Describe the questions you asked, and why you asked them</a:t>
-            </a:r>
-          </a:p>
-          <a:p>
-            <a:r>
-              <a:rPr lang="en-US" dirty="0"/>
-              <a:t>Describe whether you were able to answer these questions to your satisfaction, and briefly summarize your findings</a:t>
-            </a:r>
+              <a:t>We sought to answer questions such as which factors (if any) relate to traffic stops and whether or not any of these factors correlated to persons or vehicles were searched.</a:t>
+            </a:r>
+          </a:p>
+          <a:p>
+            <a:endParaRPr lang="en-US" dirty="0"/>
+          </a:p>
+          <a:p>
+            <a:pPr lvl="1"/>
+            <a:endParaRPr lang="en-US" dirty="0"/>
           </a:p>
         </p:txBody>
       </p:sp>
@@ -3702,10 +3703,34 @@
           <a:bodyPr/>
           <a:lstStyle/>
           <a:p>
+            <a:pPr lvl="0"/>
             <a:r>
               <a:rPr lang="en-US" dirty="0"/>
-              <a:t>Elaborate on the questions you asked, describing what kinds of data you needed to answer them, and where you found it</a:t>
-            </a:r>
+              <a:t>Are there more stops during the morning, afternoon, evening or night shifts?</a:t>
+            </a:r>
+          </a:p>
+          <a:p>
+            <a:pPr lvl="0"/>
+            <a:r>
+              <a:rPr lang="en-US" dirty="0"/>
+              <a:t> Are there proportional differences in race given the stops recorded by precinct?</a:t>
+            </a:r>
+          </a:p>
+          <a:p>
+            <a:r>
+              <a:rPr lang="en-US" dirty="0"/>
+              <a:t>What is the likelihood of an officer stop by race? And what is the likelihood that the pre-race determination matched the actual race documented after the stop?</a:t>
+            </a:r>
+          </a:p>
+          <a:p>
+            <a:r>
+              <a:rPr lang="en-US" dirty="0"/>
+              <a:t>Does the type of police stop (traffic vs suspicious) impact whether a person is searched?</a:t>
+            </a:r>
+          </a:p>
+          <a:p>
+            <a:pPr lvl="0"/>
+            <a:endParaRPr lang="en-US" dirty="0"/>
           </a:p>
         </p:txBody>
       </p:sp>
@@ -3793,24 +3818,55 @@
         </p:nvSpPr>
         <p:spPr/>
         <p:txBody>
-          <a:bodyPr/>
-          <a:lstStyle/>
+          <a:bodyPr>
+            <a:normAutofit fontScale="92500" lnSpcReduction="20000"/>
+          </a:bodyPr>
+          <a:lstStyle/>
+          <a:p>
+            <a:pPr marL="0" indent="0">
+              <a:buNone/>
+            </a:pPr>
+            <a:r>
+              <a:rPr lang="en-US" dirty="0">
+                <a:solidFill>
+                  <a:srgbClr val="FF0000"/>
+                </a:solidFill>
+              </a:rPr>
+              <a:t>I think the first few bullets can be talking points and we do not necessarily need a slide for this… not sure what to include for the fourth bullet point – screen clips of </a:t>
+            </a:r>
+            <a:r>
+              <a:rPr lang="en-US" dirty="0" err="1">
+                <a:solidFill>
+                  <a:srgbClr val="FF0000"/>
+                </a:solidFill>
+              </a:rPr>
+              <a:t>Jupyter</a:t>
+            </a:r>
+            <a:r>
+              <a:rPr lang="en-US" dirty="0">
+                <a:solidFill>
+                  <a:srgbClr val="FF0000"/>
+                </a:solidFill>
+              </a:rPr>
+              <a:t> Notebook data types / row counts?</a:t>
+            </a:r>
+          </a:p>
           <a:p>
             <a:r>
               <a:rPr lang="en-US" dirty="0"/>
-              <a:t>Describe the exploration and cleanup process</a:t>
+              <a:t>Describe the exploration and cleanup process: read the file into a pandas data frame, observed n/a values.</a:t>
             </a:r>
           </a:p>
           <a:p>
             <a:r>
               <a:rPr lang="en-US" dirty="0"/>
-              <a:t>Discuss insights you had while exploring the data that you did not anticipate</a:t>
+              <a:t>Discuss insights you had while exploring the data that you did not anticipate: accuracy of race identification</a:t>
             </a:r>
           </a:p>
           <a:p>
             <a:r>
               <a:rPr lang="en-US" dirty="0"/>
-              <a:t>Discuss any problems that arose after exploring the data, and how you resolved them</a:t>
+              <a:t>Discuss any problems that arose after exploring the data, and how you resolved them: n/a values – researched through MN website; figuring out how to deal with date timestamps</a:t>
             </a:r>
           </a:p>
           <a:p>
@@ -4100,6 +4156,20 @@
             </a:r>
           </a:p>
           <a:p>
+            <a:pPr lvl="1"/>
+            <a:r>
+              <a:rPr lang="en-US" dirty="0"/>
+              <a:t>Incorporating census data / timeframe of that data compared to our data set</a:t>
+            </a:r>
+          </a:p>
+          <a:p>
+            <a:pPr lvl="1"/>
+            <a:r>
+              <a:rPr lang="en-US" dirty="0"/>
+              <a:t>Census data may not correlate to traffic stops given that not everyone stopped is a resident of the area where they were stopped</a:t>
+            </a:r>
+          </a:p>
+          <a:p>
             <a:r>
               <a:rPr lang="en-US" dirty="0"/>
               <a:t>Discuss any additional questions that came up, but which you did not not have time to answer</a:t>
@@ -4193,6 +4263,9 @@
           <a:bodyPr/>
           <a:lstStyle/>
           <a:p>
+            <a:pPr marL="0" indent="0" algn="ctr">
+              <a:buNone/>
+            </a:pPr>
             <a:endParaRPr lang="en-US" dirty="0"/>
           </a:p>
         </p:txBody>

--- a/Group_F_Minneapolis Police Stops Presentation.pptx
+++ b/Group_F_Minneapolis Police Stops Presentation.pptx
@@ -4,6 +4,9 @@
   <p:sldMasterIdLst>
     <p:sldMasterId id="2147483668" r:id="rId1"/>
   </p:sldMasterIdLst>
+  <p:notesMasterIdLst>
+    <p:notesMasterId r:id="rId10"/>
+  </p:notesMasterIdLst>
   <p:sldIdLst>
     <p:sldId id="256" r:id="rId2"/>
     <p:sldId id="257" r:id="rId3"/>
@@ -223,6 +226,475 @@
 </pc:chgInfo>
 </file>
 
+<file path=ppt/notesMasters/notesMaster1.xml><?xml version="1.0" encoding="utf-8"?>
+<p:notesMaster xmlns:a="http://schemas.openxmlformats.org/drawingml/2006/main" xmlns:r="http://schemas.openxmlformats.org/officeDocument/2006/relationships" xmlns:p="http://schemas.openxmlformats.org/presentationml/2006/main">
+  <p:cSld>
+    <p:bg>
+      <p:bgRef idx="1001">
+        <a:schemeClr val="bg1"/>
+      </p:bgRef>
+    </p:bg>
+    <p:spTree>
+      <p:nvGrpSpPr>
+        <p:cNvPr id="1" name=""/>
+        <p:cNvGrpSpPr/>
+        <p:nvPr/>
+      </p:nvGrpSpPr>
+      <p:grpSpPr>
+        <a:xfrm>
+          <a:off x="0" y="0"/>
+          <a:ext cx="0" cy="0"/>
+          <a:chOff x="0" y="0"/>
+          <a:chExt cx="0" cy="0"/>
+        </a:xfrm>
+      </p:grpSpPr>
+      <p:sp>
+        <p:nvSpPr>
+          <p:cNvPr id="2" name="Header Placeholder 1"/>
+          <p:cNvSpPr>
+            <a:spLocks noGrp="1"/>
+          </p:cNvSpPr>
+          <p:nvPr>
+            <p:ph type="hdr" sz="quarter"/>
+          </p:nvPr>
+        </p:nvSpPr>
+        <p:spPr>
+          <a:xfrm>
+            <a:off x="0" y="0"/>
+            <a:ext cx="2971800" cy="458788"/>
+          </a:xfrm>
+          <a:prstGeom prst="rect">
+            <a:avLst/>
+          </a:prstGeom>
+        </p:spPr>
+        <p:txBody>
+          <a:bodyPr vert="horz" lIns="91440" tIns="45720" rIns="91440" bIns="45720" rtlCol="0"/>
+          <a:lstStyle>
+            <a:lvl1pPr algn="l">
+              <a:defRPr sz="1200"/>
+            </a:lvl1pPr>
+          </a:lstStyle>
+          <a:p>
+            <a:endParaRPr lang="en-US"/>
+          </a:p>
+        </p:txBody>
+      </p:sp>
+      <p:sp>
+        <p:nvSpPr>
+          <p:cNvPr id="3" name="Date Placeholder 2"/>
+          <p:cNvSpPr>
+            <a:spLocks noGrp="1"/>
+          </p:cNvSpPr>
+          <p:nvPr>
+            <p:ph type="dt" idx="1"/>
+          </p:nvPr>
+        </p:nvSpPr>
+        <p:spPr>
+          <a:xfrm>
+            <a:off x="3884613" y="0"/>
+            <a:ext cx="2971800" cy="458788"/>
+          </a:xfrm>
+          <a:prstGeom prst="rect">
+            <a:avLst/>
+          </a:prstGeom>
+        </p:spPr>
+        <p:txBody>
+          <a:bodyPr vert="horz" lIns="91440" tIns="45720" rIns="91440" bIns="45720" rtlCol="0"/>
+          <a:lstStyle>
+            <a:lvl1pPr algn="r">
+              <a:defRPr sz="1200"/>
+            </a:lvl1pPr>
+          </a:lstStyle>
+          <a:p>
+            <a:fld id="{16B23004-DC73-824B-82D3-BE3292B16F00}" type="datetimeFigureOut">
+              <a:rPr lang="en-US" smtClean="0"/>
+              <a:t>11/9/18</a:t>
+            </a:fld>
+            <a:endParaRPr lang="en-US"/>
+          </a:p>
+        </p:txBody>
+      </p:sp>
+      <p:sp>
+        <p:nvSpPr>
+          <p:cNvPr id="4" name="Slide Image Placeholder 3"/>
+          <p:cNvSpPr>
+            <a:spLocks noGrp="1" noRot="1" noChangeAspect="1"/>
+          </p:cNvSpPr>
+          <p:nvPr>
+            <p:ph type="sldImg" idx="2"/>
+          </p:nvPr>
+        </p:nvSpPr>
+        <p:spPr>
+          <a:xfrm>
+            <a:off x="685800" y="1143000"/>
+            <a:ext cx="5486400" cy="3086100"/>
+          </a:xfrm>
+          <a:prstGeom prst="rect">
+            <a:avLst/>
+          </a:prstGeom>
+          <a:noFill/>
+          <a:ln w="12700">
+            <a:solidFill>
+              <a:prstClr val="black"/>
+            </a:solidFill>
+          </a:ln>
+        </p:spPr>
+        <p:txBody>
+          <a:bodyPr vert="horz" lIns="91440" tIns="45720" rIns="91440" bIns="45720" rtlCol="0" anchor="ctr"/>
+          <a:lstStyle/>
+          <a:p>
+            <a:endParaRPr lang="en-US"/>
+          </a:p>
+        </p:txBody>
+      </p:sp>
+      <p:sp>
+        <p:nvSpPr>
+          <p:cNvPr id="5" name="Notes Placeholder 4"/>
+          <p:cNvSpPr>
+            <a:spLocks noGrp="1"/>
+          </p:cNvSpPr>
+          <p:nvPr>
+            <p:ph type="body" sz="quarter" idx="3"/>
+          </p:nvPr>
+        </p:nvSpPr>
+        <p:spPr>
+          <a:xfrm>
+            <a:off x="685800" y="4400550"/>
+            <a:ext cx="5486400" cy="3600450"/>
+          </a:xfrm>
+          <a:prstGeom prst="rect">
+            <a:avLst/>
+          </a:prstGeom>
+        </p:spPr>
+        <p:txBody>
+          <a:bodyPr vert="horz" lIns="91440" tIns="45720" rIns="91440" bIns="45720" rtlCol="0"/>
+          <a:lstStyle/>
+          <a:p>
+            <a:pPr lvl="0"/>
+            <a:r>
+              <a:rPr lang="en-US"/>
+              <a:t>Edit Master text styles</a:t>
+            </a:r>
+          </a:p>
+          <a:p>
+            <a:pPr lvl="1"/>
+            <a:r>
+              <a:rPr lang="en-US"/>
+              <a:t>Second level</a:t>
+            </a:r>
+          </a:p>
+          <a:p>
+            <a:pPr lvl="2"/>
+            <a:r>
+              <a:rPr lang="en-US"/>
+              <a:t>Third level</a:t>
+            </a:r>
+          </a:p>
+          <a:p>
+            <a:pPr lvl="3"/>
+            <a:r>
+              <a:rPr lang="en-US"/>
+              <a:t>Fourth level</a:t>
+            </a:r>
+          </a:p>
+          <a:p>
+            <a:pPr lvl="4"/>
+            <a:r>
+              <a:rPr lang="en-US"/>
+              <a:t>Fifth level</a:t>
+            </a:r>
+          </a:p>
+        </p:txBody>
+      </p:sp>
+      <p:sp>
+        <p:nvSpPr>
+          <p:cNvPr id="6" name="Footer Placeholder 5"/>
+          <p:cNvSpPr>
+            <a:spLocks noGrp="1"/>
+          </p:cNvSpPr>
+          <p:nvPr>
+            <p:ph type="ftr" sz="quarter" idx="4"/>
+          </p:nvPr>
+        </p:nvSpPr>
+        <p:spPr>
+          <a:xfrm>
+            <a:off x="0" y="8685213"/>
+            <a:ext cx="2971800" cy="458787"/>
+          </a:xfrm>
+          <a:prstGeom prst="rect">
+            <a:avLst/>
+          </a:prstGeom>
+        </p:spPr>
+        <p:txBody>
+          <a:bodyPr vert="horz" lIns="91440" tIns="45720" rIns="91440" bIns="45720" rtlCol="0" anchor="b"/>
+          <a:lstStyle>
+            <a:lvl1pPr algn="l">
+              <a:defRPr sz="1200"/>
+            </a:lvl1pPr>
+          </a:lstStyle>
+          <a:p>
+            <a:endParaRPr lang="en-US"/>
+          </a:p>
+        </p:txBody>
+      </p:sp>
+      <p:sp>
+        <p:nvSpPr>
+          <p:cNvPr id="7" name="Slide Number Placeholder 6"/>
+          <p:cNvSpPr>
+            <a:spLocks noGrp="1"/>
+          </p:cNvSpPr>
+          <p:nvPr>
+            <p:ph type="sldNum" sz="quarter" idx="5"/>
+          </p:nvPr>
+        </p:nvSpPr>
+        <p:spPr>
+          <a:xfrm>
+            <a:off x="3884613" y="8685213"/>
+            <a:ext cx="2971800" cy="458787"/>
+          </a:xfrm>
+          <a:prstGeom prst="rect">
+            <a:avLst/>
+          </a:prstGeom>
+        </p:spPr>
+        <p:txBody>
+          <a:bodyPr vert="horz" lIns="91440" tIns="45720" rIns="91440" bIns="45720" rtlCol="0" anchor="b"/>
+          <a:lstStyle>
+            <a:lvl1pPr algn="r">
+              <a:defRPr sz="1200"/>
+            </a:lvl1pPr>
+          </a:lstStyle>
+          <a:p>
+            <a:fld id="{0FEE7830-29E6-5040-BC4F-D437EE0B6FD5}" type="slidenum">
+              <a:rPr lang="en-US" smtClean="0"/>
+              <a:t>‹#›</a:t>
+            </a:fld>
+            <a:endParaRPr lang="en-US"/>
+          </a:p>
+        </p:txBody>
+      </p:sp>
+    </p:spTree>
+    <p:extLst>
+      <p:ext uri="{BB962C8B-B14F-4D97-AF65-F5344CB8AC3E}">
+        <p14:creationId xmlns:p14="http://schemas.microsoft.com/office/powerpoint/2010/main" val="305268135"/>
+      </p:ext>
+    </p:extLst>
+  </p:cSld>
+  <p:clrMap bg1="lt1" tx1="dk1" bg2="lt2" tx2="dk2" accent1="accent1" accent2="accent2" accent3="accent3" accent4="accent4" accent5="accent5" accent6="accent6" hlink="hlink" folHlink="folHlink"/>
+  <p:notesStyle>
+    <a:lvl1pPr marL="0" algn="l" defTabSz="914400" rtl="0" eaLnBrk="1" latinLnBrk="0" hangingPunct="1">
+      <a:defRPr sz="1200" kern="1200">
+        <a:solidFill>
+          <a:schemeClr val="tx1"/>
+        </a:solidFill>
+        <a:latin typeface="+mn-lt"/>
+        <a:ea typeface="+mn-ea"/>
+        <a:cs typeface="+mn-cs"/>
+      </a:defRPr>
+    </a:lvl1pPr>
+    <a:lvl2pPr marL="457200" algn="l" defTabSz="914400" rtl="0" eaLnBrk="1" latinLnBrk="0" hangingPunct="1">
+      <a:defRPr sz="1200" kern="1200">
+        <a:solidFill>
+          <a:schemeClr val="tx1"/>
+        </a:solidFill>
+        <a:latin typeface="+mn-lt"/>
+        <a:ea typeface="+mn-ea"/>
+        <a:cs typeface="+mn-cs"/>
+      </a:defRPr>
+    </a:lvl2pPr>
+    <a:lvl3pPr marL="914400" algn="l" defTabSz="914400" rtl="0" eaLnBrk="1" latinLnBrk="0" hangingPunct="1">
+      <a:defRPr sz="1200" kern="1200">
+        <a:solidFill>
+          <a:schemeClr val="tx1"/>
+        </a:solidFill>
+        <a:latin typeface="+mn-lt"/>
+        <a:ea typeface="+mn-ea"/>
+        <a:cs typeface="+mn-cs"/>
+      </a:defRPr>
+    </a:lvl3pPr>
+    <a:lvl4pPr marL="1371600" algn="l" defTabSz="914400" rtl="0" eaLnBrk="1" latinLnBrk="0" hangingPunct="1">
+      <a:defRPr sz="1200" kern="1200">
+        <a:solidFill>
+          <a:schemeClr val="tx1"/>
+        </a:solidFill>
+        <a:latin typeface="+mn-lt"/>
+        <a:ea typeface="+mn-ea"/>
+        <a:cs typeface="+mn-cs"/>
+      </a:defRPr>
+    </a:lvl4pPr>
+    <a:lvl5pPr marL="1828800" algn="l" defTabSz="914400" rtl="0" eaLnBrk="1" latinLnBrk="0" hangingPunct="1">
+      <a:defRPr sz="1200" kern="1200">
+        <a:solidFill>
+          <a:schemeClr val="tx1"/>
+        </a:solidFill>
+        <a:latin typeface="+mn-lt"/>
+        <a:ea typeface="+mn-ea"/>
+        <a:cs typeface="+mn-cs"/>
+      </a:defRPr>
+    </a:lvl5pPr>
+    <a:lvl6pPr marL="2286000" algn="l" defTabSz="914400" rtl="0" eaLnBrk="1" latinLnBrk="0" hangingPunct="1">
+      <a:defRPr sz="1200" kern="1200">
+        <a:solidFill>
+          <a:schemeClr val="tx1"/>
+        </a:solidFill>
+        <a:latin typeface="+mn-lt"/>
+        <a:ea typeface="+mn-ea"/>
+        <a:cs typeface="+mn-cs"/>
+      </a:defRPr>
+    </a:lvl6pPr>
+    <a:lvl7pPr marL="2743200" algn="l" defTabSz="914400" rtl="0" eaLnBrk="1" latinLnBrk="0" hangingPunct="1">
+      <a:defRPr sz="1200" kern="1200">
+        <a:solidFill>
+          <a:schemeClr val="tx1"/>
+        </a:solidFill>
+        <a:latin typeface="+mn-lt"/>
+        <a:ea typeface="+mn-ea"/>
+        <a:cs typeface="+mn-cs"/>
+      </a:defRPr>
+    </a:lvl7pPr>
+    <a:lvl8pPr marL="3200400" algn="l" defTabSz="914400" rtl="0" eaLnBrk="1" latinLnBrk="0" hangingPunct="1">
+      <a:defRPr sz="1200" kern="1200">
+        <a:solidFill>
+          <a:schemeClr val="tx1"/>
+        </a:solidFill>
+        <a:latin typeface="+mn-lt"/>
+        <a:ea typeface="+mn-ea"/>
+        <a:cs typeface="+mn-cs"/>
+      </a:defRPr>
+    </a:lvl8pPr>
+    <a:lvl9pPr marL="3657600" algn="l" defTabSz="914400" rtl="0" eaLnBrk="1" latinLnBrk="0" hangingPunct="1">
+      <a:defRPr sz="1200" kern="1200">
+        <a:solidFill>
+          <a:schemeClr val="tx1"/>
+        </a:solidFill>
+        <a:latin typeface="+mn-lt"/>
+        <a:ea typeface="+mn-ea"/>
+        <a:cs typeface="+mn-cs"/>
+      </a:defRPr>
+    </a:lvl9pPr>
+  </p:notesStyle>
+</p:notesMaster>
+</file>
+
+<file path=ppt/notesSlides/notesSlide1.xml><?xml version="1.0" encoding="utf-8"?>
+<p:notes xmlns:a="http://schemas.openxmlformats.org/drawingml/2006/main" xmlns:r="http://schemas.openxmlformats.org/officeDocument/2006/relationships" xmlns:p="http://schemas.openxmlformats.org/presentationml/2006/main">
+  <p:cSld>
+    <p:spTree>
+      <p:nvGrpSpPr>
+        <p:cNvPr id="1" name=""/>
+        <p:cNvGrpSpPr/>
+        <p:nvPr/>
+      </p:nvGrpSpPr>
+      <p:grpSpPr>
+        <a:xfrm>
+          <a:off x="0" y="0"/>
+          <a:ext cx="0" cy="0"/>
+          <a:chOff x="0" y="0"/>
+          <a:chExt cx="0" cy="0"/>
+        </a:xfrm>
+      </p:grpSpPr>
+      <p:sp>
+        <p:nvSpPr>
+          <p:cNvPr id="2" name="Slide Image Placeholder 1"/>
+          <p:cNvSpPr>
+            <a:spLocks noGrp="1" noRot="1" noChangeAspect="1"/>
+          </p:cNvSpPr>
+          <p:nvPr>
+            <p:ph type="sldImg"/>
+          </p:nvPr>
+        </p:nvSpPr>
+        <p:spPr/>
+      </p:sp>
+      <p:sp>
+        <p:nvSpPr>
+          <p:cNvPr id="3" name="Notes Placeholder 2"/>
+          <p:cNvSpPr>
+            <a:spLocks noGrp="1"/>
+          </p:cNvSpPr>
+          <p:nvPr>
+            <p:ph type="body" idx="1"/>
+          </p:nvPr>
+        </p:nvSpPr>
+        <p:spPr/>
+        <p:txBody>
+          <a:bodyPr/>
+          <a:lstStyle/>
+          <a:p>
+            <a:r>
+              <a:rPr lang="en-US" dirty="0"/>
+              <a:t>Describe the exploration and cleanup process: </a:t>
+            </a:r>
+          </a:p>
+          <a:p>
+            <a:r>
+              <a:rPr lang="en-US" dirty="0"/>
+              <a:t>read the file into a pandas data frame, observed n/a values.</a:t>
+            </a:r>
+          </a:p>
+          <a:p>
+            <a:r>
+              <a:rPr lang="en-US" dirty="0"/>
+              <a:t>Discuss insights you had while exploring the data that you did not anticipate: </a:t>
+            </a:r>
+          </a:p>
+          <a:p>
+            <a:r>
+              <a:rPr lang="en-US" dirty="0"/>
+              <a:t>accuracy of race identification</a:t>
+            </a:r>
+          </a:p>
+          <a:p>
+            <a:r>
+              <a:rPr lang="en-US" dirty="0"/>
+              <a:t>Discuss any problems that arose after exploring the data, and how you resolved them: </a:t>
+            </a:r>
+          </a:p>
+          <a:p>
+            <a:r>
+              <a:rPr lang="en-US" dirty="0"/>
+              <a:t>n/a values – researched through MN website; figuring out how to deal with date timestamps</a:t>
+            </a:r>
+          </a:p>
+          <a:p>
+            <a:endParaRPr lang="en-US" dirty="0"/>
+          </a:p>
+        </p:txBody>
+      </p:sp>
+      <p:sp>
+        <p:nvSpPr>
+          <p:cNvPr id="4" name="Slide Number Placeholder 3"/>
+          <p:cNvSpPr>
+            <a:spLocks noGrp="1"/>
+          </p:cNvSpPr>
+          <p:nvPr>
+            <p:ph type="sldNum" sz="quarter" idx="5"/>
+          </p:nvPr>
+        </p:nvSpPr>
+        <p:spPr/>
+        <p:txBody>
+          <a:bodyPr/>
+          <a:lstStyle/>
+          <a:p>
+            <a:fld id="{0FEE7830-29E6-5040-BC4F-D437EE0B6FD5}" type="slidenum">
+              <a:rPr lang="en-US" smtClean="0"/>
+              <a:t>4</a:t>
+            </a:fld>
+            <a:endParaRPr lang="en-US"/>
+          </a:p>
+        </p:txBody>
+      </p:sp>
+    </p:spTree>
+    <p:extLst>
+      <p:ext uri="{BB962C8B-B14F-4D97-AF65-F5344CB8AC3E}">
+        <p14:creationId xmlns:p14="http://schemas.microsoft.com/office/powerpoint/2010/main" val="1357329539"/>
+      </p:ext>
+    </p:extLst>
+  </p:cSld>
+  <p:clrMapOvr>
+    <a:masterClrMapping/>
+  </p:clrMapOvr>
+</p:notes>
+</file>
+
 <file path=ppt/slideLayouts/slideLayout1.xml><?xml version="1.0" encoding="utf-8"?>
 <p:sldLayout xmlns:a="http://schemas.openxmlformats.org/drawingml/2006/main" xmlns:r="http://schemas.openxmlformats.org/officeDocument/2006/relationships" xmlns:p="http://schemas.openxmlformats.org/presentationml/2006/main" type="title" preserve="1">
   <p:cSld name="Title Slide">
@@ -371,7 +843,7 @@
             <a:fld id="{B61BEF0D-F0BB-DE4B-95CE-6DB70DBA9567}" type="datetimeFigureOut">
               <a:rPr lang="en-US" smtClean="0"/>
               <a:pPr/>
-              <a:t>11/7/18</a:t>
+              <a:t>11/9/18</a:t>
             </a:fld>
             <a:endParaRPr lang="en-US" dirty="0"/>
           </a:p>
@@ -571,7 +1043,7 @@
             <a:fld id="{B61BEF0D-F0BB-DE4B-95CE-6DB70DBA9567}" type="datetimeFigureOut">
               <a:rPr lang="en-US" smtClean="0"/>
               <a:pPr/>
-              <a:t>11/7/18</a:t>
+              <a:t>11/9/18</a:t>
             </a:fld>
             <a:endParaRPr lang="en-US" dirty="0"/>
           </a:p>
@@ -781,7 +1253,7 @@
             <a:fld id="{B61BEF0D-F0BB-DE4B-95CE-6DB70DBA9567}" type="datetimeFigureOut">
               <a:rPr lang="en-US" smtClean="0"/>
               <a:pPr/>
-              <a:t>11/7/18</a:t>
+              <a:t>11/9/18</a:t>
             </a:fld>
             <a:endParaRPr lang="en-US" dirty="0"/>
           </a:p>
@@ -981,7 +1453,7 @@
             <a:fld id="{B61BEF0D-F0BB-DE4B-95CE-6DB70DBA9567}" type="datetimeFigureOut">
               <a:rPr lang="en-US" smtClean="0"/>
               <a:pPr/>
-              <a:t>11/7/18</a:t>
+              <a:t>11/9/18</a:t>
             </a:fld>
             <a:endParaRPr lang="en-US" dirty="0"/>
           </a:p>
@@ -1258,7 +1730,7 @@
             <a:fld id="{B61BEF0D-F0BB-DE4B-95CE-6DB70DBA9567}" type="datetimeFigureOut">
               <a:rPr lang="en-US" smtClean="0"/>
               <a:pPr/>
-              <a:t>11/7/18</a:t>
+              <a:t>11/9/18</a:t>
             </a:fld>
             <a:endParaRPr lang="en-US" dirty="0"/>
           </a:p>
@@ -1525,7 +1997,7 @@
             <a:fld id="{B61BEF0D-F0BB-DE4B-95CE-6DB70DBA9567}" type="datetimeFigureOut">
               <a:rPr lang="en-US" smtClean="0"/>
               <a:pPr/>
-              <a:t>11/7/18</a:t>
+              <a:t>11/9/18</a:t>
             </a:fld>
             <a:endParaRPr lang="en-US" dirty="0"/>
           </a:p>
@@ -1939,7 +2411,7 @@
             <a:fld id="{B61BEF0D-F0BB-DE4B-95CE-6DB70DBA9567}" type="datetimeFigureOut">
               <a:rPr lang="en-US" smtClean="0"/>
               <a:pPr/>
-              <a:t>11/7/18</a:t>
+              <a:t>11/9/18</a:t>
             </a:fld>
             <a:endParaRPr lang="en-US" dirty="0"/>
           </a:p>
@@ -2082,7 +2554,7 @@
             <a:fld id="{B61BEF0D-F0BB-DE4B-95CE-6DB70DBA9567}" type="datetimeFigureOut">
               <a:rPr lang="en-US" smtClean="0"/>
               <a:pPr/>
-              <a:t>11/7/18</a:t>
+              <a:t>11/9/18</a:t>
             </a:fld>
             <a:endParaRPr lang="en-US" dirty="0"/>
           </a:p>
@@ -2197,7 +2669,7 @@
             <a:fld id="{B61BEF0D-F0BB-DE4B-95CE-6DB70DBA9567}" type="datetimeFigureOut">
               <a:rPr lang="en-US" smtClean="0"/>
               <a:pPr/>
-              <a:t>11/7/18</a:t>
+              <a:t>11/9/18</a:t>
             </a:fld>
             <a:endParaRPr lang="en-US" dirty="0"/>
           </a:p>
@@ -2510,7 +2982,7 @@
             <a:fld id="{B61BEF0D-F0BB-DE4B-95CE-6DB70DBA9567}" type="datetimeFigureOut">
               <a:rPr lang="en-US" smtClean="0"/>
               <a:pPr/>
-              <a:t>11/7/18</a:t>
+              <a:t>11/9/18</a:t>
             </a:fld>
             <a:endParaRPr lang="en-US" dirty="0"/>
           </a:p>
@@ -2800,7 +3272,7 @@
             <a:fld id="{B61BEF0D-F0BB-DE4B-95CE-6DB70DBA9567}" type="datetimeFigureOut">
               <a:rPr lang="en-US" smtClean="0"/>
               <a:pPr/>
-              <a:t>11/7/18</a:t>
+              <a:t>11/9/18</a:t>
             </a:fld>
             <a:endParaRPr lang="en-US" dirty="0"/>
           </a:p>
@@ -3043,7 +3515,7 @@
             <a:fld id="{B61BEF0D-F0BB-DE4B-95CE-6DB70DBA9567}" type="datetimeFigureOut">
               <a:rPr lang="en-US" smtClean="0"/>
               <a:pPr/>
-              <a:t>11/7/18</a:t>
+              <a:t>11/9/18</a:t>
             </a:fld>
             <a:endParaRPr lang="en-US" dirty="0"/>
           </a:p>
@@ -3685,7 +4157,7 @@
           <a:p>
             <a:r>
               <a:rPr lang="en-US" dirty="0"/>
-              <a:t>Questions and Data – James write, team edit</a:t>
+              <a:t>Minneapolis Police Stop Data</a:t>
             </a:r>
           </a:p>
         </p:txBody>
@@ -3710,18 +4182,17 @@
         <p:txBody>
           <a:bodyPr/>
           <a:lstStyle/>
+          <a:p>
+            <a:r>
+              <a:rPr lang="en-US" dirty="0"/>
+              <a:t>Are there proportional differences in race given the stops recorded by precinct?</a:t>
+            </a:r>
+          </a:p>
           <a:p>
             <a:pPr lvl="0"/>
             <a:r>
               <a:rPr lang="en-US" dirty="0"/>
               <a:t>Are there more stops during the morning, afternoon, evening or night shifts?</a:t>
-            </a:r>
-          </a:p>
-          <a:p>
-            <a:pPr lvl="0"/>
-            <a:r>
-              <a:rPr lang="en-US" dirty="0"/>
-              <a:t> Are there proportional differences in race given the stops recorded by precinct?</a:t>
             </a:r>
           </a:p>
           <a:p>
@@ -3772,6 +4243,34 @@
           <a:chExt cx="0" cy="0"/>
         </a:xfrm>
       </p:grpSpPr>
+      <p:pic>
+        <p:nvPicPr>
+          <p:cNvPr id="5" name="Content Placeholder 4">
+            <a:extLst>
+              <a:ext uri="{FF2B5EF4-FFF2-40B4-BE49-F238E27FC236}">
+                <a16:creationId xmlns:a16="http://schemas.microsoft.com/office/drawing/2014/main" id="{8140C3B2-2341-6349-88BA-4003483C193D}"/>
+              </a:ext>
+            </a:extLst>
+          </p:cNvPr>
+          <p:cNvPicPr>
+            <a:picLocks noGrp="1" noChangeAspect="1"/>
+          </p:cNvPicPr>
+          <p:nvPr>
+            <p:ph idx="1"/>
+          </p:nvPr>
+        </p:nvPicPr>
+        <p:blipFill rotWithShape="1">
+          <a:blip r:embed="rId3"/>
+          <a:srcRect l="75765" t="9420" r="11583" b="10481"/>
+          <a:stretch/>
+        </p:blipFill>
+        <p:spPr>
+          <a:xfrm>
+            <a:off x="10459724" y="1690478"/>
+            <a:ext cx="894076" cy="4179900"/>
+          </a:xfrm>
+        </p:spPr>
+      </p:pic>
       <p:sp>
         <p:nvSpPr>
           <p:cNvPr id="2" name="Title 1">
@@ -3795,104 +4294,40 @@
           <a:p>
             <a:r>
               <a:rPr lang="en-US" dirty="0"/>
-              <a:t>Data Cleanup and Exploration – Erica and </a:t>
-            </a:r>
-            <a:r>
-              <a:rPr lang="en-US" dirty="0" err="1"/>
-              <a:t>Emanshu</a:t>
-            </a:r>
-            <a:r>
-              <a:rPr lang="en-US" dirty="0"/>
-              <a:t> write, team edit</a:t>
-            </a:r>
-          </a:p>
-        </p:txBody>
-      </p:sp>
-      <p:sp>
-        <p:nvSpPr>
-          <p:cNvPr id="3" name="Content Placeholder 2">
-            <a:extLst>
-              <a:ext uri="{FF2B5EF4-FFF2-40B4-BE49-F238E27FC236}">
-                <a16:creationId xmlns:a16="http://schemas.microsoft.com/office/drawing/2014/main" id="{709E14F0-7D7D-4546-AE7D-5307ACFEE5D0}"/>
-              </a:ext>
-            </a:extLst>
-          </p:cNvPr>
-          <p:cNvSpPr>
-            <a:spLocks noGrp="1"/>
-          </p:cNvSpPr>
-          <p:nvPr>
-            <p:ph idx="1"/>
-          </p:nvPr>
-        </p:nvSpPr>
-        <p:spPr/>
-        <p:txBody>
-          <a:bodyPr>
-            <a:normAutofit fontScale="92500" lnSpcReduction="20000"/>
-          </a:bodyPr>
-          <a:lstStyle/>
-          <a:p>
-            <a:pPr marL="0" indent="0">
-              <a:buNone/>
-            </a:pPr>
-            <a:r>
-              <a:rPr lang="en-US" dirty="0">
-                <a:solidFill>
-                  <a:srgbClr val="FF0000"/>
-                </a:solidFill>
-              </a:rPr>
-              <a:t>I think the first few bullets can be talking points and we do not necessarily need a slide for this… not sure what to include for the fourth bullet point – screen clips of </a:t>
-            </a:r>
-            <a:r>
-              <a:rPr lang="en-US" dirty="0" err="1">
-                <a:solidFill>
-                  <a:srgbClr val="FF0000"/>
-                </a:solidFill>
-              </a:rPr>
-              <a:t>Jupyter</a:t>
-            </a:r>
-            <a:r>
-              <a:rPr lang="en-US" dirty="0">
-                <a:solidFill>
-                  <a:srgbClr val="FF0000"/>
-                </a:solidFill>
-              </a:rPr>
-              <a:t> Notebook data types / row counts?</a:t>
-            </a:r>
-          </a:p>
-          <a:p>
-            <a:r>
-              <a:rPr lang="en-US" dirty="0"/>
-              <a:t>Describe the exploration and cleanup process: read the file into a pandas data frame, observed n/a values.</a:t>
-            </a:r>
-          </a:p>
-          <a:p>
-            <a:r>
-              <a:rPr lang="en-US" dirty="0"/>
-              <a:t>Discuss insights you had while exploring the data that you did not anticipate: accuracy of race identification</a:t>
-            </a:r>
-          </a:p>
-          <a:p>
-            <a:r>
-              <a:rPr lang="en-US" dirty="0"/>
-              <a:t>Discuss any problems that arose after exploring the data, and how you resolved them: n/a values – researched through MN website; figuring out how to deal with date timestamps</a:t>
-            </a:r>
-          </a:p>
-          <a:p>
-            <a:r>
-              <a:rPr lang="en-US" dirty="0"/>
-              <a:t>Present and discuss interesting figures developed during exploration, ideally with the help of </a:t>
-            </a:r>
-            <a:r>
-              <a:rPr lang="en-US" dirty="0" err="1"/>
-              <a:t>Jupyter</a:t>
-            </a:r>
-            <a:r>
-              <a:rPr lang="en-US" dirty="0"/>
-              <a:t> Notebook</a:t>
-            </a:r>
-          </a:p>
-        </p:txBody>
-      </p:sp>
+              <a:t>Data Exploration</a:t>
+            </a:r>
+          </a:p>
+        </p:txBody>
+      </p:sp>
+      <p:pic>
+        <p:nvPicPr>
+          <p:cNvPr id="6" name="Content Placeholder 4">
+            <a:extLst>
+              <a:ext uri="{FF2B5EF4-FFF2-40B4-BE49-F238E27FC236}">
+                <a16:creationId xmlns:a16="http://schemas.microsoft.com/office/drawing/2014/main" id="{719368E4-277A-F947-B2F3-A6169AD13619}"/>
+              </a:ext>
+            </a:extLst>
+          </p:cNvPr>
+          <p:cNvPicPr>
+            <a:picLocks noChangeAspect="1"/>
+          </p:cNvPicPr>
+          <p:nvPr/>
+        </p:nvPicPr>
+        <p:blipFill rotWithShape="1">
+          <a:blip r:embed="rId3"/>
+          <a:srcRect l="3178" t="22894" r="23581" b="32088"/>
+          <a:stretch/>
+        </p:blipFill>
+        <p:spPr>
+          <a:xfrm>
+            <a:off x="838199" y="1417443"/>
+            <a:ext cx="9810433" cy="4452935"/>
+          </a:xfrm>
+          <a:prstGeom prst="rect">
+            <a:avLst/>
+          </a:prstGeom>
+        </p:spPr>
+      </p:pic>
     </p:spTree>
     <p:extLst>
       <p:ext uri="{BB962C8B-B14F-4D97-AF65-F5344CB8AC3E}">
@@ -4584,4 +5019,299 @@
     </a:ext>
   </a:extLst>
 </a:theme>
+</file>
+
+<file path=ppt/theme/theme2.xml><?xml version="1.0" encoding="utf-8"?>
+<a:theme xmlns:a="http://schemas.openxmlformats.org/drawingml/2006/main" name="Office Theme">
+  <a:themeElements>
+    <a:clrScheme name="Office">
+      <a:dk1>
+        <a:sysClr val="windowText" lastClr="000000"/>
+      </a:dk1>
+      <a:lt1>
+        <a:sysClr val="window" lastClr="FFFFFF"/>
+      </a:lt1>
+      <a:dk2>
+        <a:srgbClr val="44546A"/>
+      </a:dk2>
+      <a:lt2>
+        <a:srgbClr val="E7E6E6"/>
+      </a:lt2>
+      <a:accent1>
+        <a:srgbClr val="4472C4"/>
+      </a:accent1>
+      <a:accent2>
+        <a:srgbClr val="ED7D31"/>
+      </a:accent2>
+      <a:accent3>
+        <a:srgbClr val="A5A5A5"/>
+      </a:accent3>
+      <a:accent4>
+        <a:srgbClr val="FFC000"/>
+      </a:accent4>
+      <a:accent5>
+        <a:srgbClr val="5B9BD5"/>
+      </a:accent5>
+      <a:accent6>
+        <a:srgbClr val="70AD47"/>
+      </a:accent6>
+      <a:hlink>
+        <a:srgbClr val="0563C1"/>
+      </a:hlink>
+      <a:folHlink>
+        <a:srgbClr val="954F72"/>
+      </a:folHlink>
+    </a:clrScheme>
+    <a:fontScheme name="Office">
+      <a:majorFont>
+        <a:latin typeface="Calibri Light" panose="020F0302020204030204"/>
+        <a:ea typeface=""/>
+        <a:cs typeface=""/>
+        <a:font script="Jpan" typeface="游ゴシック Light"/>
+        <a:font script="Hang" typeface="맑은 고딕"/>
+        <a:font script="Hans" typeface="等线 Light"/>
+        <a:font script="Hant" typeface="新細明體"/>
+        <a:font script="Arab" typeface="Times New Roman"/>
+        <a:font script="Hebr" typeface="Times New Roman"/>
+        <a:font script="Thai" typeface="Angsana New"/>
+        <a:font script="Ethi" typeface="Nyala"/>
+        <a:font script="Beng" typeface="Vrinda"/>
+        <a:font script="Gujr" typeface="Shruti"/>
+        <a:font script="Khmr" typeface="MoolBoran"/>
+        <a:font script="Knda" typeface="Tunga"/>
+        <a:font script="Guru" typeface="Raavi"/>
+        <a:font script="Cans" typeface="Euphemia"/>
+        <a:font script="Cher" typeface="Plantagenet Cherokee"/>
+        <a:font script="Yiii" typeface="Microsoft Yi Baiti"/>
+        <a:font script="Tibt" typeface="Microsoft Himalaya"/>
+        <a:font script="Thaa" typeface="MV Boli"/>
+        <a:font script="Deva" typeface="Mangal"/>
+        <a:font script="Telu" typeface="Gautami"/>
+        <a:font script="Taml" typeface="Latha"/>
+        <a:font script="Syrc" typeface="Estrangelo Edessa"/>
+        <a:font script="Orya" typeface="Kalinga"/>
+        <a:font script="Mlym" typeface="Kartika"/>
+        <a:font script="Laoo" typeface="DokChampa"/>
+        <a:font script="Sinh" typeface="Iskoola Pota"/>
+        <a:font script="Mong" typeface="Mongolian Baiti"/>
+        <a:font script="Viet" typeface="Times New Roman"/>
+        <a:font script="Uigh" typeface="Microsoft Uighur"/>
+        <a:font script="Geor" typeface="Sylfaen"/>
+        <a:font script="Armn" typeface="Arial"/>
+        <a:font script="Bugi" typeface="Leelawadee UI"/>
+        <a:font script="Bopo" typeface="Microsoft JhengHei"/>
+        <a:font script="Java" typeface="Javanese Text"/>
+        <a:font script="Lisu" typeface="Segoe UI"/>
+        <a:font script="Mymr" typeface="Myanmar Text"/>
+        <a:font script="Nkoo" typeface="Ebrima"/>
+        <a:font script="Olck" typeface="Nirmala UI"/>
+        <a:font script="Osma" typeface="Ebrima"/>
+        <a:font script="Phag" typeface="Phagspa"/>
+        <a:font script="Syrn" typeface="Estrangelo Edessa"/>
+        <a:font script="Syrj" typeface="Estrangelo Edessa"/>
+        <a:font script="Syre" typeface="Estrangelo Edessa"/>
+        <a:font script="Sora" typeface="Nirmala UI"/>
+        <a:font script="Tale" typeface="Microsoft Tai Le"/>
+        <a:font script="Talu" typeface="Microsoft New Tai Lue"/>
+        <a:font script="Tfng" typeface="Ebrima"/>
+      </a:majorFont>
+      <a:minorFont>
+        <a:latin typeface="Calibri" panose="020F0502020204030204"/>
+        <a:ea typeface=""/>
+        <a:cs typeface=""/>
+        <a:font script="Jpan" typeface="游ゴシック"/>
+        <a:font script="Hang" typeface="맑은 고딕"/>
+        <a:font script="Hans" typeface="等线"/>
+        <a:font script="Hant" typeface="新細明體"/>
+        <a:font script="Arab" typeface="Arial"/>
+        <a:font script="Hebr" typeface="Arial"/>
+        <a:font script="Thai" typeface="Cordia New"/>
+        <a:font script="Ethi" typeface="Nyala"/>
+        <a:font script="Beng" typeface="Vrinda"/>
+        <a:font script="Gujr" typeface="Shruti"/>
+        <a:font script="Khmr" typeface="DaunPenh"/>
+        <a:font script="Knda" typeface="Tunga"/>
+        <a:font script="Guru" typeface="Raavi"/>
+        <a:font script="Cans" typeface="Euphemia"/>
+        <a:font script="Cher" typeface="Plantagenet Cherokee"/>
+        <a:font script="Yiii" typeface="Microsoft Yi Baiti"/>
+        <a:font script="Tibt" typeface="Microsoft Himalaya"/>
+        <a:font script="Thaa" typeface="MV Boli"/>
+        <a:font script="Deva" typeface="Mangal"/>
+        <a:font script="Telu" typeface="Gautami"/>
+        <a:font script="Taml" typeface="Latha"/>
+        <a:font script="Syrc" typeface="Estrangelo Edessa"/>
+        <a:font script="Orya" typeface="Kalinga"/>
+        <a:font script="Mlym" typeface="Kartika"/>
+        <a:font script="Laoo" typeface="DokChampa"/>
+        <a:font script="Sinh" typeface="Iskoola Pota"/>
+        <a:font script="Mong" typeface="Mongolian Baiti"/>
+        <a:font script="Viet" typeface="Arial"/>
+        <a:font script="Uigh" typeface="Microsoft Uighur"/>
+        <a:font script="Geor" typeface="Sylfaen"/>
+        <a:font script="Armn" typeface="Arial"/>
+        <a:font script="Bugi" typeface="Leelawadee UI"/>
+        <a:font script="Bopo" typeface="Microsoft JhengHei"/>
+        <a:font script="Java" typeface="Javanese Text"/>
+        <a:font script="Lisu" typeface="Segoe UI"/>
+        <a:font script="Mymr" typeface="Myanmar Text"/>
+        <a:font script="Nkoo" typeface="Ebrima"/>
+        <a:font script="Olck" typeface="Nirmala UI"/>
+        <a:font script="Osma" typeface="Ebrima"/>
+        <a:font script="Phag" typeface="Phagspa"/>
+        <a:font script="Syrn" typeface="Estrangelo Edessa"/>
+        <a:font script="Syrj" typeface="Estrangelo Edessa"/>
+        <a:font script="Syre" typeface="Estrangelo Edessa"/>
+        <a:font script="Sora" typeface="Nirmala UI"/>
+        <a:font script="Tale" typeface="Microsoft Tai Le"/>
+        <a:font script="Talu" typeface="Microsoft New Tai Lue"/>
+        <a:font script="Tfng" typeface="Ebrima"/>
+      </a:minorFont>
+    </a:fontScheme>
+    <a:fmtScheme name="Office">
+      <a:fillStyleLst>
+        <a:solidFill>
+          <a:schemeClr val="phClr"/>
+        </a:solidFill>
+        <a:gradFill rotWithShape="1">
+          <a:gsLst>
+            <a:gs pos="0">
+              <a:schemeClr val="phClr">
+                <a:lumMod val="110000"/>
+                <a:satMod val="105000"/>
+                <a:tint val="67000"/>
+              </a:schemeClr>
+            </a:gs>
+            <a:gs pos="50000">
+              <a:schemeClr val="phClr">
+                <a:lumMod val="105000"/>
+                <a:satMod val="103000"/>
+                <a:tint val="73000"/>
+              </a:schemeClr>
+            </a:gs>
+            <a:gs pos="100000">
+              <a:schemeClr val="phClr">
+                <a:lumMod val="105000"/>
+                <a:satMod val="109000"/>
+                <a:tint val="81000"/>
+              </a:schemeClr>
+            </a:gs>
+          </a:gsLst>
+          <a:lin ang="5400000" scaled="0"/>
+        </a:gradFill>
+        <a:gradFill rotWithShape="1">
+          <a:gsLst>
+            <a:gs pos="0">
+              <a:schemeClr val="phClr">
+                <a:satMod val="103000"/>
+                <a:lumMod val="102000"/>
+                <a:tint val="94000"/>
+              </a:schemeClr>
+            </a:gs>
+            <a:gs pos="50000">
+              <a:schemeClr val="phClr">
+                <a:satMod val="110000"/>
+                <a:lumMod val="100000"/>
+                <a:shade val="100000"/>
+              </a:schemeClr>
+            </a:gs>
+            <a:gs pos="100000">
+              <a:schemeClr val="phClr">
+                <a:lumMod val="99000"/>
+                <a:satMod val="120000"/>
+                <a:shade val="78000"/>
+              </a:schemeClr>
+            </a:gs>
+          </a:gsLst>
+          <a:lin ang="5400000" scaled="0"/>
+        </a:gradFill>
+      </a:fillStyleLst>
+      <a:lnStyleLst>
+        <a:ln w="6350" cap="flat" cmpd="sng" algn="ctr">
+          <a:solidFill>
+            <a:schemeClr val="phClr"/>
+          </a:solidFill>
+          <a:prstDash val="solid"/>
+          <a:miter lim="800000"/>
+        </a:ln>
+        <a:ln w="12700" cap="flat" cmpd="sng" algn="ctr">
+          <a:solidFill>
+            <a:schemeClr val="phClr"/>
+          </a:solidFill>
+          <a:prstDash val="solid"/>
+          <a:miter lim="800000"/>
+        </a:ln>
+        <a:ln w="19050" cap="flat" cmpd="sng" algn="ctr">
+          <a:solidFill>
+            <a:schemeClr val="phClr"/>
+          </a:solidFill>
+          <a:prstDash val="solid"/>
+          <a:miter lim="800000"/>
+        </a:ln>
+      </a:lnStyleLst>
+      <a:effectStyleLst>
+        <a:effectStyle>
+          <a:effectLst/>
+        </a:effectStyle>
+        <a:effectStyle>
+          <a:effectLst/>
+        </a:effectStyle>
+        <a:effectStyle>
+          <a:effectLst>
+            <a:outerShdw blurRad="57150" dist="19050" dir="5400000" algn="ctr" rotWithShape="0">
+              <a:srgbClr val="000000">
+                <a:alpha val="63000"/>
+              </a:srgbClr>
+            </a:outerShdw>
+          </a:effectLst>
+        </a:effectStyle>
+      </a:effectStyleLst>
+      <a:bgFillStyleLst>
+        <a:solidFill>
+          <a:schemeClr val="phClr"/>
+        </a:solidFill>
+        <a:solidFill>
+          <a:schemeClr val="phClr">
+            <a:tint val="95000"/>
+            <a:satMod val="170000"/>
+          </a:schemeClr>
+        </a:solidFill>
+        <a:gradFill rotWithShape="1">
+          <a:gsLst>
+            <a:gs pos="0">
+              <a:schemeClr val="phClr">
+                <a:tint val="93000"/>
+                <a:satMod val="150000"/>
+                <a:shade val="98000"/>
+                <a:lumMod val="102000"/>
+              </a:schemeClr>
+            </a:gs>
+            <a:gs pos="50000">
+              <a:schemeClr val="phClr">
+                <a:tint val="98000"/>
+                <a:satMod val="130000"/>
+                <a:shade val="90000"/>
+                <a:lumMod val="103000"/>
+              </a:schemeClr>
+            </a:gs>
+            <a:gs pos="100000">
+              <a:schemeClr val="phClr">
+                <a:shade val="63000"/>
+                <a:satMod val="120000"/>
+              </a:schemeClr>
+            </a:gs>
+          </a:gsLst>
+          <a:lin ang="5400000" scaled="0"/>
+        </a:gradFill>
+      </a:bgFillStyleLst>
+    </a:fmtScheme>
+  </a:themeElements>
+  <a:objectDefaults/>
+  <a:extraClrSchemeLst/>
+  <a:extLst>
+    <a:ext uri="{05A4C25C-085E-4340-85A3-A5531E510DB2}">
+      <thm15:themeFamily xmlns:thm15="http://schemas.microsoft.com/office/thememl/2012/main" name="Office Theme" id="{62F939B6-93AF-4DB8-9C6B-D6C7DFDC589F}" vid="{4A3C46E8-61CC-4603-A589-7422A47A8E4A}"/>
+    </a:ext>
+  </a:extLst>
+</a:theme>
 </file>
--- a/Group_F_Minneapolis Police Stops Presentation.pptx
+++ b/Group_F_Minneapolis Police Stops Presentation.pptx
@@ -5,20 +5,21 @@
     <p:sldMasterId id="2147483668" r:id="rId1"/>
   </p:sldMasterIdLst>
   <p:notesMasterIdLst>
-    <p:notesMasterId r:id="rId13"/>
+    <p:notesMasterId r:id="rId14"/>
   </p:notesMasterIdLst>
   <p:sldIdLst>
     <p:sldId id="256" r:id="rId2"/>
     <p:sldId id="257" r:id="rId3"/>
     <p:sldId id="258" r:id="rId4"/>
-    <p:sldId id="260" r:id="rId5"/>
-    <p:sldId id="259" r:id="rId6"/>
-    <p:sldId id="264" r:id="rId7"/>
-    <p:sldId id="265" r:id="rId8"/>
-    <p:sldId id="266" r:id="rId9"/>
-    <p:sldId id="261" r:id="rId10"/>
-    <p:sldId id="262" r:id="rId11"/>
-    <p:sldId id="263" r:id="rId12"/>
+    <p:sldId id="267" r:id="rId5"/>
+    <p:sldId id="268" r:id="rId6"/>
+    <p:sldId id="259" r:id="rId7"/>
+    <p:sldId id="264" r:id="rId8"/>
+    <p:sldId id="265" r:id="rId9"/>
+    <p:sldId id="266" r:id="rId10"/>
+    <p:sldId id="261" r:id="rId11"/>
+    <p:sldId id="262" r:id="rId12"/>
+    <p:sldId id="263" r:id="rId13"/>
   </p:sldIdLst>
   <p:sldSz cx="12192000" cy="6858000"/>
   <p:notesSz cx="6858000" cy="9144000"/>
@@ -679,7 +680,7 @@
           <a:p>
             <a:fld id="{0FEE7830-29E6-5040-BC4F-D437EE0B6FD5}" type="slidenum">
               <a:rPr lang="en-US" smtClean="0"/>
-              <a:t>5</a:t>
+              <a:t>6</a:t>
             </a:fld>
             <a:endParaRPr lang="en-US"/>
           </a:p>
@@ -799,7 +800,7 @@
           <a:p>
             <a:fld id="{0FEE7830-29E6-5040-BC4F-D437EE0B6FD5}" type="slidenum">
               <a:rPr lang="en-US" smtClean="0"/>
-              <a:t>6</a:t>
+              <a:t>7</a:t>
             </a:fld>
             <a:endParaRPr lang="en-US"/>
           </a:p>
@@ -919,7 +920,7 @@
           <a:p>
             <a:fld id="{0FEE7830-29E6-5040-BC4F-D437EE0B6FD5}" type="slidenum">
               <a:rPr lang="en-US" smtClean="0"/>
-              <a:t>7</a:t>
+              <a:t>8</a:t>
             </a:fld>
             <a:endParaRPr lang="en-US"/>
           </a:p>
@@ -1039,7 +1040,7 @@
           <a:p>
             <a:fld id="{0FEE7830-29E6-5040-BC4F-D437EE0B6FD5}" type="slidenum">
               <a:rPr lang="en-US" smtClean="0"/>
-              <a:t>8</a:t>
+              <a:t>9</a:t>
             </a:fld>
             <a:endParaRPr lang="en-US"/>
           </a:p>
@@ -4395,6 +4396,92 @@
           <p:cNvPr id="2" name="Title 1">
             <a:extLst>
               <a:ext uri="{FF2B5EF4-FFF2-40B4-BE49-F238E27FC236}">
+                <a16:creationId xmlns:a16="http://schemas.microsoft.com/office/drawing/2014/main" id="{83826A3F-87CE-3F47-972A-CF8FCB9974AC}"/>
+              </a:ext>
+            </a:extLst>
+          </p:cNvPr>
+          <p:cNvSpPr>
+            <a:spLocks noGrp="1"/>
+          </p:cNvSpPr>
+          <p:nvPr>
+            <p:ph type="title"/>
+          </p:nvPr>
+        </p:nvSpPr>
+        <p:spPr/>
+        <p:txBody>
+          <a:bodyPr/>
+          <a:lstStyle/>
+          <a:p>
+            <a:r>
+              <a:rPr lang="en-US" dirty="0"/>
+              <a:t>Findings – Raleigh and James write, team edit</a:t>
+            </a:r>
+          </a:p>
+        </p:txBody>
+      </p:sp>
+      <p:sp>
+        <p:nvSpPr>
+          <p:cNvPr id="3" name="Content Placeholder 2">
+            <a:extLst>
+              <a:ext uri="{FF2B5EF4-FFF2-40B4-BE49-F238E27FC236}">
+                <a16:creationId xmlns:a16="http://schemas.microsoft.com/office/drawing/2014/main" id="{F4B5A2A6-9C9A-444D-B1D4-5C020F32EE03}"/>
+              </a:ext>
+            </a:extLst>
+          </p:cNvPr>
+          <p:cNvSpPr>
+            <a:spLocks noGrp="1"/>
+          </p:cNvSpPr>
+          <p:nvPr>
+            <p:ph idx="1"/>
+          </p:nvPr>
+        </p:nvSpPr>
+        <p:spPr/>
+        <p:txBody>
+          <a:bodyPr/>
+          <a:lstStyle/>
+          <a:p>
+            <a:r>
+              <a:rPr lang="en-US" dirty="0"/>
+              <a:t>Discuss your findings. Did you find what you expected to find? If not, why not? What inferences or general conclusions can you draw from your analysis?</a:t>
+            </a:r>
+          </a:p>
+        </p:txBody>
+      </p:sp>
+    </p:spTree>
+    <p:extLst>
+      <p:ext uri="{BB962C8B-B14F-4D97-AF65-F5344CB8AC3E}">
+        <p14:creationId xmlns:p14="http://schemas.microsoft.com/office/powerpoint/2010/main" val="3920256646"/>
+      </p:ext>
+    </p:extLst>
+  </p:cSld>
+  <p:clrMapOvr>
+    <a:masterClrMapping/>
+  </p:clrMapOvr>
+</p:sld>
+</file>
+
+<file path=ppt/slides/slide11.xml><?xml version="1.0" encoding="utf-8"?>
+<p:sld xmlns:a="http://schemas.openxmlformats.org/drawingml/2006/main" xmlns:r="http://schemas.openxmlformats.org/officeDocument/2006/relationships" xmlns:p="http://schemas.openxmlformats.org/presentationml/2006/main">
+  <p:cSld>
+    <p:spTree>
+      <p:nvGrpSpPr>
+        <p:cNvPr id="1" name=""/>
+        <p:cNvGrpSpPr/>
+        <p:nvPr/>
+      </p:nvGrpSpPr>
+      <p:grpSpPr>
+        <a:xfrm>
+          <a:off x="0" y="0"/>
+          <a:ext cx="0" cy="0"/>
+          <a:chOff x="0" y="0"/>
+          <a:chExt cx="0" cy="0"/>
+        </a:xfrm>
+      </p:grpSpPr>
+      <p:sp>
+        <p:nvSpPr>
+          <p:cNvPr id="2" name="Title 1">
+            <a:extLst>
+              <a:ext uri="{FF2B5EF4-FFF2-40B4-BE49-F238E27FC236}">
                 <a16:creationId xmlns:a16="http://schemas.microsoft.com/office/drawing/2014/main" id="{2988C076-FC55-F34A-813F-CF4ED7A3F89E}"/>
               </a:ext>
             </a:extLst>
@@ -4486,7 +4573,7 @@
 </p:sld>
 </file>
 
-<file path=ppt/slides/slide11.xml><?xml version="1.0" encoding="utf-8"?>
+<file path=ppt/slides/slide12.xml><?xml version="1.0" encoding="utf-8"?>
 <p:sld xmlns:a="http://schemas.openxmlformats.org/drawingml/2006/main" xmlns:r="http://schemas.openxmlformats.org/officeDocument/2006/relationships" xmlns:p="http://schemas.openxmlformats.org/presentationml/2006/main">
   <p:cSld>
     <p:spTree>
@@ -4828,43 +4915,73 @@
           <a:p>
             <a:r>
               <a:rPr lang="en-US" dirty="0"/>
-              <a:t>Data Analysis – Raleigh and James write, team edit</a:t>
-            </a:r>
-          </a:p>
-        </p:txBody>
-      </p:sp>
-      <p:sp>
-        <p:nvSpPr>
-          <p:cNvPr id="3" name="Content Placeholder 2">
-            <a:extLst>
-              <a:ext uri="{FF2B5EF4-FFF2-40B4-BE49-F238E27FC236}">
-                <a16:creationId xmlns:a16="http://schemas.microsoft.com/office/drawing/2014/main" id="{7987ED2E-D364-CE46-A633-80952C9E7E9C}"/>
-              </a:ext>
-            </a:extLst>
-          </p:cNvPr>
-          <p:cNvSpPr>
-            <a:spLocks noGrp="1"/>
-          </p:cNvSpPr>
-          <p:nvPr>
-            <p:ph idx="1"/>
-          </p:nvPr>
-        </p:nvSpPr>
-        <p:spPr/>
-        <p:txBody>
-          <a:bodyPr/>
-          <a:lstStyle/>
-          <a:p>
-            <a:r>
-              <a:rPr lang="en-US" dirty="0"/>
-              <a:t>Discuss the steps you took to analyze the data and answer each question you asked in your proposal</a:t>
-            </a:r>
-          </a:p>
-        </p:txBody>
-      </p:sp>
+              <a:t>Data Exploration - Overview</a:t>
+            </a:r>
+          </a:p>
+        </p:txBody>
+      </p:sp>
+      <p:pic>
+        <p:nvPicPr>
+          <p:cNvPr id="4" name="Content Placeholder 4">
+            <a:extLst>
+              <a:ext uri="{FF2B5EF4-FFF2-40B4-BE49-F238E27FC236}">
+                <a16:creationId xmlns:a16="http://schemas.microsoft.com/office/drawing/2014/main" id="{F48EEAD1-949B-0345-BD1A-61E3566C128E}"/>
+              </a:ext>
+            </a:extLst>
+          </p:cNvPr>
+          <p:cNvPicPr>
+            <a:picLocks noChangeAspect="1"/>
+          </p:cNvPicPr>
+          <p:nvPr/>
+        </p:nvPicPr>
+        <p:blipFill rotWithShape="1">
+          <a:blip r:embed="rId2"/>
+          <a:srcRect l="3178" t="22894" r="23581" b="32088"/>
+          <a:stretch/>
+        </p:blipFill>
+        <p:spPr>
+          <a:xfrm>
+            <a:off x="838199" y="1417443"/>
+            <a:ext cx="9810433" cy="4452935"/>
+          </a:xfrm>
+          <a:prstGeom prst="rect">
+            <a:avLst/>
+          </a:prstGeom>
+        </p:spPr>
+      </p:pic>
+      <p:pic>
+        <p:nvPicPr>
+          <p:cNvPr id="5" name="Content Placeholder 4">
+            <a:extLst>
+              <a:ext uri="{FF2B5EF4-FFF2-40B4-BE49-F238E27FC236}">
+                <a16:creationId xmlns:a16="http://schemas.microsoft.com/office/drawing/2014/main" id="{1660A617-747D-DF49-AA10-10EC2AF13B44}"/>
+              </a:ext>
+            </a:extLst>
+          </p:cNvPr>
+          <p:cNvPicPr>
+            <a:picLocks noChangeAspect="1"/>
+          </p:cNvPicPr>
+          <p:nvPr/>
+        </p:nvPicPr>
+        <p:blipFill rotWithShape="1">
+          <a:blip r:embed="rId2"/>
+          <a:srcRect l="75765" t="9420" r="11583" b="10481"/>
+          <a:stretch/>
+        </p:blipFill>
+        <p:spPr>
+          <a:xfrm>
+            <a:off x="10459724" y="1690478"/>
+            <a:ext cx="894076" cy="4179900"/>
+          </a:xfrm>
+          <a:prstGeom prst="rect">
+            <a:avLst/>
+          </a:prstGeom>
+        </p:spPr>
+      </p:pic>
     </p:spTree>
     <p:extLst>
       <p:ext uri="{BB962C8B-B14F-4D97-AF65-F5344CB8AC3E}">
-        <p14:creationId xmlns:p14="http://schemas.microsoft.com/office/powerpoint/2010/main" val="3544281940"/>
+        <p14:creationId xmlns:p14="http://schemas.microsoft.com/office/powerpoint/2010/main" val="3885671570"/>
       </p:ext>
     </p:extLst>
   </p:cSld>
@@ -4891,34 +5008,92 @@
           <a:chExt cx="0" cy="0"/>
         </a:xfrm>
       </p:grpSpPr>
-      <p:pic>
-        <p:nvPicPr>
-          <p:cNvPr id="5" name="Content Placeholder 4">
-            <a:extLst>
-              <a:ext uri="{FF2B5EF4-FFF2-40B4-BE49-F238E27FC236}">
-                <a16:creationId xmlns:a16="http://schemas.microsoft.com/office/drawing/2014/main" id="{8140C3B2-2341-6349-88BA-4003483C193D}"/>
-              </a:ext>
-            </a:extLst>
-          </p:cNvPr>
-          <p:cNvPicPr>
-            <a:picLocks noGrp="1" noChangeAspect="1"/>
-          </p:cNvPicPr>
+      <p:sp>
+        <p:nvSpPr>
+          <p:cNvPr id="2" name="Title 1">
+            <a:extLst>
+              <a:ext uri="{FF2B5EF4-FFF2-40B4-BE49-F238E27FC236}">
+                <a16:creationId xmlns:a16="http://schemas.microsoft.com/office/drawing/2014/main" id="{C32C1771-AA35-3145-B81A-763C15DFD3E0}"/>
+              </a:ext>
+            </a:extLst>
+          </p:cNvPr>
+          <p:cNvSpPr>
+            <a:spLocks noGrp="1"/>
+          </p:cNvSpPr>
+          <p:nvPr>
+            <p:ph type="title"/>
+          </p:nvPr>
+        </p:nvSpPr>
+        <p:spPr/>
+        <p:txBody>
+          <a:bodyPr/>
+          <a:lstStyle/>
+          <a:p>
+            <a:r>
+              <a:rPr lang="en-US" dirty="0"/>
+              <a:t>Data Analysis – Raleigh and James write, team edit</a:t>
+            </a:r>
+          </a:p>
+        </p:txBody>
+      </p:sp>
+      <p:sp>
+        <p:nvSpPr>
+          <p:cNvPr id="3" name="Content Placeholder 2">
+            <a:extLst>
+              <a:ext uri="{FF2B5EF4-FFF2-40B4-BE49-F238E27FC236}">
+                <a16:creationId xmlns:a16="http://schemas.microsoft.com/office/drawing/2014/main" id="{7987ED2E-D364-CE46-A633-80952C9E7E9C}"/>
+              </a:ext>
+            </a:extLst>
+          </p:cNvPr>
+          <p:cNvSpPr>
+            <a:spLocks noGrp="1"/>
+          </p:cNvSpPr>
           <p:nvPr>
             <p:ph idx="1"/>
           </p:nvPr>
-        </p:nvPicPr>
-        <p:blipFill rotWithShape="1">
-          <a:blip r:embed="rId3"/>
-          <a:srcRect l="75765" t="9420" r="11583" b="10481"/>
-          <a:stretch/>
-        </p:blipFill>
-        <p:spPr>
-          <a:xfrm>
-            <a:off x="10459724" y="1690478"/>
-            <a:ext cx="894076" cy="4179900"/>
-          </a:xfrm>
-        </p:spPr>
-      </p:pic>
+        </p:nvSpPr>
+        <p:spPr/>
+        <p:txBody>
+          <a:bodyPr/>
+          <a:lstStyle/>
+          <a:p>
+            <a:r>
+              <a:rPr lang="en-US" dirty="0"/>
+              <a:t>Discuss the steps you took to analyze the data and answer each question you asked in your proposal</a:t>
+            </a:r>
+          </a:p>
+        </p:txBody>
+      </p:sp>
+    </p:spTree>
+    <p:extLst>
+      <p:ext uri="{BB962C8B-B14F-4D97-AF65-F5344CB8AC3E}">
+        <p14:creationId xmlns:p14="http://schemas.microsoft.com/office/powerpoint/2010/main" val="1363470243"/>
+      </p:ext>
+    </p:extLst>
+  </p:cSld>
+  <p:clrMapOvr>
+    <a:masterClrMapping/>
+  </p:clrMapOvr>
+</p:sld>
+</file>
+
+<file path=ppt/slides/slide6.xml><?xml version="1.0" encoding="utf-8"?>
+<p:sld xmlns:a="http://schemas.openxmlformats.org/drawingml/2006/main" xmlns:r="http://schemas.openxmlformats.org/officeDocument/2006/relationships" xmlns:p="http://schemas.openxmlformats.org/presentationml/2006/main">
+  <p:cSld>
+    <p:spTree>
+      <p:nvGrpSpPr>
+        <p:cNvPr id="1" name=""/>
+        <p:cNvGrpSpPr/>
+        <p:nvPr/>
+      </p:nvGrpSpPr>
+      <p:grpSpPr>
+        <a:xfrm>
+          <a:off x="0" y="0"/>
+          <a:ext cx="0" cy="0"/>
+          <a:chOff x="0" y="0"/>
+          <a:chExt cx="0" cy="0"/>
+        </a:xfrm>
+      </p:grpSpPr>
       <p:sp>
         <p:nvSpPr>
           <p:cNvPr id="2" name="Title 1">
@@ -4960,35 +5135,42 @@
           </a:p>
         </p:txBody>
       </p:sp>
-      <p:pic>
-        <p:nvPicPr>
-          <p:cNvPr id="6" name="Content Placeholder 4">
-            <a:extLst>
-              <a:ext uri="{FF2B5EF4-FFF2-40B4-BE49-F238E27FC236}">
-                <a16:creationId xmlns:a16="http://schemas.microsoft.com/office/drawing/2014/main" id="{719368E4-277A-F947-B2F3-A6169AD13619}"/>
-              </a:ext>
-            </a:extLst>
-          </p:cNvPr>
-          <p:cNvPicPr>
-            <a:picLocks noChangeAspect="1"/>
-          </p:cNvPicPr>
-          <p:nvPr/>
-        </p:nvPicPr>
-        <p:blipFill rotWithShape="1">
-          <a:blip r:embed="rId3"/>
-          <a:srcRect l="3178" t="22894" r="23581" b="32088"/>
-          <a:stretch/>
-        </p:blipFill>
-        <p:spPr>
-          <a:xfrm>
-            <a:off x="838199" y="1417443"/>
-            <a:ext cx="9810433" cy="4452935"/>
-          </a:xfrm>
-          <a:prstGeom prst="rect">
-            <a:avLst/>
-          </a:prstGeom>
-        </p:spPr>
-      </p:pic>
+      <p:sp>
+        <p:nvSpPr>
+          <p:cNvPr id="3" name="Content Placeholder 2">
+            <a:extLst>
+              <a:ext uri="{FF2B5EF4-FFF2-40B4-BE49-F238E27FC236}">
+                <a16:creationId xmlns:a16="http://schemas.microsoft.com/office/drawing/2014/main" id="{3A3E1B90-D332-B543-BBD5-7A06AD3F1308}"/>
+              </a:ext>
+            </a:extLst>
+          </p:cNvPr>
+          <p:cNvSpPr>
+            <a:spLocks noGrp="1"/>
+          </p:cNvSpPr>
+          <p:nvPr>
+            <p:ph idx="1"/>
+          </p:nvPr>
+        </p:nvSpPr>
+        <p:spPr/>
+        <p:txBody>
+          <a:bodyPr/>
+          <a:lstStyle/>
+          <a:p>
+            <a:r>
+              <a:rPr lang="en-US" dirty="0"/>
+              <a:t>Insert </a:t>
+            </a:r>
+            <a:r>
+              <a:rPr lang="en-US" dirty="0" err="1"/>
+              <a:t>Emanshu’s</a:t>
+            </a:r>
+            <a:r>
+              <a:rPr lang="en-US" dirty="0"/>
+              <a:t> “ping pong” chart </a:t>
+            </a:r>
+          </a:p>
+        </p:txBody>
+      </p:sp>
     </p:spTree>
     <p:extLst>
       <p:ext uri="{BB962C8B-B14F-4D97-AF65-F5344CB8AC3E}">
@@ -5002,7 +5184,7 @@
 </p:sld>
 </file>
 
-<file path=ppt/slides/slide6.xml><?xml version="1.0" encoding="utf-8"?>
+<file path=ppt/slides/slide7.xml><?xml version="1.0" encoding="utf-8"?>
 <p:sld xmlns:a="http://schemas.openxmlformats.org/drawingml/2006/main" xmlns:r="http://schemas.openxmlformats.org/officeDocument/2006/relationships" xmlns:p="http://schemas.openxmlformats.org/presentationml/2006/main">
   <p:cSld>
     <p:spTree>
@@ -5102,7 +5284,7 @@
 </p:sld>
 </file>
 
-<file path=ppt/slides/slide7.xml><?xml version="1.0" encoding="utf-8"?>
+<file path=ppt/slides/slide8.xml><?xml version="1.0" encoding="utf-8"?>
 <p:sld xmlns:a="http://schemas.openxmlformats.org/drawingml/2006/main" xmlns:r="http://schemas.openxmlformats.org/officeDocument/2006/relationships" xmlns:p="http://schemas.openxmlformats.org/presentationml/2006/main">
   <p:cSld>
     <p:spTree>
@@ -5518,102 +5700,6 @@
     <p:extLst>
       <p:ext uri="{BB962C8B-B14F-4D97-AF65-F5344CB8AC3E}">
         <p14:creationId xmlns:p14="http://schemas.microsoft.com/office/powerpoint/2010/main" val="476785398"/>
-      </p:ext>
-    </p:extLst>
-  </p:cSld>
-  <p:clrMapOvr>
-    <a:masterClrMapping/>
-  </p:clrMapOvr>
-</p:sld>
-</file>
-
-<file path=ppt/slides/slide8.xml><?xml version="1.0" encoding="utf-8"?>
-<p:sld xmlns:a="http://schemas.openxmlformats.org/drawingml/2006/main" xmlns:r="http://schemas.openxmlformats.org/officeDocument/2006/relationships" xmlns:p="http://schemas.openxmlformats.org/presentationml/2006/main">
-  <p:cSld>
-    <p:spTree>
-      <p:nvGrpSpPr>
-        <p:cNvPr id="1" name=""/>
-        <p:cNvGrpSpPr/>
-        <p:nvPr/>
-      </p:nvGrpSpPr>
-      <p:grpSpPr>
-        <a:xfrm>
-          <a:off x="0" y="0"/>
-          <a:ext cx="0" cy="0"/>
-          <a:chOff x="0" y="0"/>
-          <a:chExt cx="0" cy="0"/>
-        </a:xfrm>
-      </p:grpSpPr>
-      <p:sp>
-        <p:nvSpPr>
-          <p:cNvPr id="2" name="Title 1">
-            <a:extLst>
-              <a:ext uri="{FF2B5EF4-FFF2-40B4-BE49-F238E27FC236}">
-                <a16:creationId xmlns:a16="http://schemas.microsoft.com/office/drawing/2014/main" id="{3567B772-6944-9443-A262-6FC36ED6D494}"/>
-              </a:ext>
-            </a:extLst>
-          </p:cNvPr>
-          <p:cNvSpPr>
-            <a:spLocks noGrp="1"/>
-          </p:cNvSpPr>
-          <p:nvPr>
-            <p:ph type="title"/>
-          </p:nvPr>
-        </p:nvSpPr>
-        <p:spPr/>
-        <p:txBody>
-          <a:bodyPr>
-            <a:normAutofit fontScale="90000"/>
-          </a:bodyPr>
-          <a:lstStyle/>
-          <a:p>
-            <a:r>
-              <a:rPr lang="en-US" dirty="0"/>
-              <a:t>Data Analysis</a:t>
-            </a:r>
-            <a:br>
-              <a:rPr lang="en-US" dirty="0"/>
-            </a:br>
-            <a:r>
-              <a:rPr lang="en-US" sz="2800" dirty="0"/>
-              <a:t>Does the type of police stop (traffic vs suspicious) impact whether a person is searched?</a:t>
-            </a:r>
-            <a:endParaRPr lang="en-US" sz="2700" dirty="0"/>
-          </a:p>
-        </p:txBody>
-      </p:sp>
-      <p:sp>
-        <p:nvSpPr>
-          <p:cNvPr id="4" name="Content Placeholder 3">
-            <a:extLst>
-              <a:ext uri="{FF2B5EF4-FFF2-40B4-BE49-F238E27FC236}">
-                <a16:creationId xmlns:a16="http://schemas.microsoft.com/office/drawing/2014/main" id="{399F9A12-5E36-EB4F-8DD3-86992C5973A4}"/>
-              </a:ext>
-            </a:extLst>
-          </p:cNvPr>
-          <p:cNvSpPr>
-            <a:spLocks noGrp="1"/>
-          </p:cNvSpPr>
-          <p:nvPr>
-            <p:ph idx="1"/>
-          </p:nvPr>
-        </p:nvSpPr>
-        <p:spPr/>
-        <p:txBody>
-          <a:bodyPr/>
-          <a:lstStyle/>
-          <a:p>
-            <a:r>
-              <a:rPr lang="en-US" dirty="0"/>
-              <a:t>TBD</a:t>
-            </a:r>
-          </a:p>
-        </p:txBody>
-      </p:sp>
-    </p:spTree>
-    <p:extLst>
-      <p:ext uri="{BB962C8B-B14F-4D97-AF65-F5344CB8AC3E}">
-        <p14:creationId xmlns:p14="http://schemas.microsoft.com/office/powerpoint/2010/main" val="3356856188"/>
       </p:ext>
     </p:extLst>
   </p:cSld>
@@ -5645,7 +5731,7 @@
           <p:cNvPr id="2" name="Title 1">
             <a:extLst>
               <a:ext uri="{FF2B5EF4-FFF2-40B4-BE49-F238E27FC236}">
-                <a16:creationId xmlns:a16="http://schemas.microsoft.com/office/drawing/2014/main" id="{83826A3F-87CE-3F47-972A-CF8FCB9974AC}"/>
+                <a16:creationId xmlns:a16="http://schemas.microsoft.com/office/drawing/2014/main" id="{3567B772-6944-9443-A262-6FC36ED6D494}"/>
               </a:ext>
             </a:extLst>
           </p:cNvPr>
@@ -5658,22 +5744,32 @@
         </p:nvSpPr>
         <p:spPr/>
         <p:txBody>
-          <a:bodyPr/>
+          <a:bodyPr>
+            <a:normAutofit fontScale="90000"/>
+          </a:bodyPr>
           <a:lstStyle/>
           <a:p>
             <a:r>
               <a:rPr lang="en-US" dirty="0"/>
-              <a:t>Findings – Raleigh and James write, team edit</a:t>
-            </a:r>
-          </a:p>
-        </p:txBody>
-      </p:sp>
-      <p:sp>
-        <p:nvSpPr>
-          <p:cNvPr id="3" name="Content Placeholder 2">
-            <a:extLst>
-              <a:ext uri="{FF2B5EF4-FFF2-40B4-BE49-F238E27FC236}">
-                <a16:creationId xmlns:a16="http://schemas.microsoft.com/office/drawing/2014/main" id="{F4B5A2A6-9C9A-444D-B1D4-5C020F32EE03}"/>
+              <a:t>Data Analysis</a:t>
+            </a:r>
+            <a:br>
+              <a:rPr lang="en-US" dirty="0"/>
+            </a:br>
+            <a:r>
+              <a:rPr lang="en-US" sz="2800" dirty="0"/>
+              <a:t>Does the type of police stop (traffic vs suspicious) impact whether a person is searched?</a:t>
+            </a:r>
+            <a:endParaRPr lang="en-US" sz="2700" dirty="0"/>
+          </a:p>
+        </p:txBody>
+      </p:sp>
+      <p:sp>
+        <p:nvSpPr>
+          <p:cNvPr id="4" name="Content Placeholder 3">
+            <a:extLst>
+              <a:ext uri="{FF2B5EF4-FFF2-40B4-BE49-F238E27FC236}">
+                <a16:creationId xmlns:a16="http://schemas.microsoft.com/office/drawing/2014/main" id="{399F9A12-5E36-EB4F-8DD3-86992C5973A4}"/>
               </a:ext>
             </a:extLst>
           </p:cNvPr>
@@ -5691,7 +5787,7 @@
           <a:p>
             <a:r>
               <a:rPr lang="en-US" dirty="0"/>
-              <a:t>Discuss your findings. Did you find what you expected to find? If not, why not? What inferences or general conclusions can you draw from your analysis?</a:t>
+              <a:t>TBD</a:t>
             </a:r>
           </a:p>
         </p:txBody>
@@ -5699,7 +5795,7 @@
     </p:spTree>
     <p:extLst>
       <p:ext uri="{BB962C8B-B14F-4D97-AF65-F5344CB8AC3E}">
-        <p14:creationId xmlns:p14="http://schemas.microsoft.com/office/powerpoint/2010/main" val="3920256646"/>
+        <p14:creationId xmlns:p14="http://schemas.microsoft.com/office/powerpoint/2010/main" val="3356856188"/>
       </p:ext>
     </p:extLst>
   </p:cSld>
